--- a/topic-000-Assessments/talk-1/spec_1.pptx
+++ b/topic-000-Assessments/talk-1/spec_1.pptx
@@ -5,17 +5,18 @@
     <p:sldMasterId id="2147483660" r:id="rId1"/>
   </p:sldMasterIdLst>
   <p:notesMasterIdLst>
-    <p:notesMasterId r:id="rId10"/>
+    <p:notesMasterId r:id="rId11"/>
   </p:notesMasterIdLst>
   <p:sldIdLst>
     <p:sldId id="256" r:id="rId2"/>
     <p:sldId id="257" r:id="rId3"/>
     <p:sldId id="260" r:id="rId4"/>
-    <p:sldId id="258" r:id="rId5"/>
-    <p:sldId id="259" r:id="rId6"/>
-    <p:sldId id="262" r:id="rId7"/>
-    <p:sldId id="266" r:id="rId8"/>
+    <p:sldId id="267" r:id="rId5"/>
+    <p:sldId id="258" r:id="rId6"/>
+    <p:sldId id="259" r:id="rId7"/>
+    <p:sldId id="262" r:id="rId8"/>
     <p:sldId id="265" r:id="rId9"/>
+    <p:sldId id="268" r:id="rId10"/>
   </p:sldIdLst>
   <p:sldSz cx="12192000" cy="6858000"/>
   <p:notesSz cx="6858000" cy="9144000"/>
@@ -1674,7 +1675,7 @@
         <a:lstStyle/>
         <a:p>
           <a:r>
-            <a:rPr lang="en-US"/>
+            <a:rPr lang="en-US" dirty="0"/>
             <a:t>Design</a:t>
           </a:r>
         </a:p>
@@ -2245,7 +2246,7 @@
         <a:p>
           <a:r>
             <a:rPr lang="en-US" dirty="0"/>
-            <a:t>Mar 4(Week 6)</a:t>
+            <a:t>Mar 20(Week 7)</a:t>
           </a:r>
         </a:p>
       </dgm:t>
@@ -2469,7 +2470,7 @@
         <a:p>
           <a:r>
             <a:rPr lang="en-US" dirty="0"/>
-            <a:t>Mar 23 (Week 9)</a:t>
+            <a:t>April 11 (Week 9)</a:t>
           </a:r>
           <a:endParaRPr lang="en-US" baseline="30000" dirty="0"/>
         </a:p>
@@ -2686,7 +2687,7 @@
         <a:p>
           <a:r>
             <a:rPr lang="en-US" baseline="0" dirty="0"/>
-            <a:t>April 26(Week12)</a:t>
+            <a:t>May 2(Week12)</a:t>
           </a:r>
           <a:endParaRPr lang="en-US" dirty="0"/>
         </a:p>
@@ -2795,7 +2796,7 @@
         <a:p>
           <a:r>
             <a:rPr lang="en-US" dirty="0"/>
-            <a:t>Include a 10 min video showing your work. (perhaps YouTube video)</a:t>
+            <a:t>Include a 10 min video showing your work. (YouTube video)</a:t>
           </a:r>
         </a:p>
       </dgm:t>
@@ -2903,13 +2904,8 @@
         <a:p>
           <a:r>
             <a:rPr lang="en-US" dirty="0"/>
-            <a:t>15 </a:t>
+            <a:t>10 mins Presentation of  final project.</a:t>
           </a:r>
-          <a:r>
-            <a:rPr lang="en-US"/>
-            <a:t>mins Presentation of  final project.</a:t>
-          </a:r>
-          <a:endParaRPr lang="en-US" dirty="0"/>
         </a:p>
       </dgm:t>
     </dgm:pt>
@@ -3258,7 +3254,7 @@
             <a:buNone/>
           </a:pPr>
           <a:r>
-            <a:rPr lang="en-US" sz="1400" kern="1200"/>
+            <a:rPr lang="en-US" sz="1400" kern="1200" dirty="0"/>
             <a:t>Design</a:t>
           </a:r>
         </a:p>
@@ -3907,7 +3903,7 @@
           </a:pPr>
           <a:r>
             <a:rPr lang="en-US" sz="2200" kern="1200" dirty="0"/>
-            <a:t>Mar 4(Week 6)</a:t>
+            <a:t>Mar 20(Week 7)</a:t>
           </a:r>
         </a:p>
       </dsp:txBody>
@@ -4177,7 +4173,7 @@
           </a:pPr>
           <a:r>
             <a:rPr lang="en-US" sz="2200" kern="1200" dirty="0"/>
-            <a:t>Mar 23 (Week 9)</a:t>
+            <a:t>April 11 (Week 9)</a:t>
           </a:r>
           <a:endParaRPr lang="en-US" sz="2200" kern="1200" baseline="30000" dirty="0"/>
         </a:p>
@@ -4440,7 +4436,7 @@
           </a:pPr>
           <a:r>
             <a:rPr lang="en-US" sz="2200" kern="1200" baseline="0" dirty="0"/>
-            <a:t>April 26(Week12)</a:t>
+            <a:t>May 2(Week12)</a:t>
           </a:r>
           <a:endParaRPr lang="en-US" sz="2200" kern="1200" dirty="0"/>
         </a:p>
@@ -4557,7 +4553,7 @@
           </a:pPr>
           <a:r>
             <a:rPr lang="en-US" sz="1200" kern="1200" dirty="0"/>
-            <a:t>Include a 10 min video showing your work. (perhaps YouTube video)</a:t>
+            <a:t>Include a 10 min video showing your work. (YouTube video)</a:t>
           </a:r>
         </a:p>
         <a:p>
@@ -4765,13 +4761,8 @@
           </a:pPr>
           <a:r>
             <a:rPr lang="en-US" sz="1600" kern="1200" dirty="0"/>
-            <a:t>15 </a:t>
+            <a:t>10 mins Presentation of  final project.</a:t>
           </a:r>
-          <a:r>
-            <a:rPr lang="en-US" sz="1600" kern="1200"/>
-            <a:t>mins Presentation of  final project.</a:t>
-          </a:r>
-          <a:endParaRPr lang="en-US" sz="1600" kern="1200" dirty="0"/>
         </a:p>
       </dsp:txBody>
       <dsp:txXfrm>
@@ -7399,7 +7390,7 @@
           <a:p>
             <a:fld id="{579B9E99-C503-46FF-BA39-A9A967032C6C}" type="datetimeFigureOut">
               <a:rPr lang="en-US"/>
-              <a:t>2/22/2024</a:t>
+              <a:t>3/13/2025</a:t>
             </a:fld>
             <a:endParaRPr lang="en-US"/>
           </a:p>
@@ -7983,7 +7974,7 @@
           <a:p>
             <a:fld id="{9056891D-82AD-4095-9B5F-167B40F78FC9}" type="slidenum">
               <a:rPr lang="en-US"/>
-              <a:t>4</a:t>
+              <a:t>5</a:t>
             </a:fld>
             <a:endParaRPr lang="en-US"/>
           </a:p>
@@ -8067,7 +8058,7 @@
           <a:p>
             <a:fld id="{9056891D-82AD-4095-9B5F-167B40F78FC9}" type="slidenum">
               <a:rPr lang="en-US"/>
-              <a:t>5</a:t>
+              <a:t>6</a:t>
             </a:fld>
             <a:endParaRPr lang="en-US"/>
           </a:p>
@@ -8215,7 +8206,7 @@
           <a:p>
             <a:fld id="{846CE7D5-CF57-46EF-B807-FDD0502418D4}" type="datetimeFigureOut">
               <a:rPr lang="en-US" smtClean="0"/>
-              <a:t>2/22/2024</a:t>
+              <a:t>3/13/2025</a:t>
             </a:fld>
             <a:endParaRPr lang="en-US"/>
           </a:p>
@@ -8383,7 +8374,7 @@
           <a:p>
             <a:fld id="{846CE7D5-CF57-46EF-B807-FDD0502418D4}" type="datetimeFigureOut">
               <a:rPr lang="en-US" smtClean="0"/>
-              <a:t>2/22/2024</a:t>
+              <a:t>3/13/2025</a:t>
             </a:fld>
             <a:endParaRPr lang="en-US"/>
           </a:p>
@@ -8561,7 +8552,7 @@
           <a:p>
             <a:fld id="{846CE7D5-CF57-46EF-B807-FDD0502418D4}" type="datetimeFigureOut">
               <a:rPr lang="en-US" smtClean="0"/>
-              <a:t>2/22/2024</a:t>
+              <a:t>3/13/2025</a:t>
             </a:fld>
             <a:endParaRPr lang="en-US"/>
           </a:p>
@@ -8729,7 +8720,7 @@
           <a:p>
             <a:fld id="{846CE7D5-CF57-46EF-B807-FDD0502418D4}" type="datetimeFigureOut">
               <a:rPr lang="en-US" smtClean="0"/>
-              <a:t>2/22/2024</a:t>
+              <a:t>3/13/2025</a:t>
             </a:fld>
             <a:endParaRPr lang="en-US"/>
           </a:p>
@@ -8974,7 +8965,7 @@
           <a:p>
             <a:fld id="{846CE7D5-CF57-46EF-B807-FDD0502418D4}" type="datetimeFigureOut">
               <a:rPr lang="en-US" smtClean="0"/>
-              <a:t>2/22/2024</a:t>
+              <a:t>3/13/2025</a:t>
             </a:fld>
             <a:endParaRPr lang="en-US"/>
           </a:p>
@@ -9203,7 +9194,7 @@
           <a:p>
             <a:fld id="{846CE7D5-CF57-46EF-B807-FDD0502418D4}" type="datetimeFigureOut">
               <a:rPr lang="en-US" smtClean="0"/>
-              <a:t>2/22/2024</a:t>
+              <a:t>3/13/2025</a:t>
             </a:fld>
             <a:endParaRPr lang="en-US"/>
           </a:p>
@@ -9567,7 +9558,7 @@
           <a:p>
             <a:fld id="{846CE7D5-CF57-46EF-B807-FDD0502418D4}" type="datetimeFigureOut">
               <a:rPr lang="en-US" smtClean="0"/>
-              <a:t>2/22/2024</a:t>
+              <a:t>3/13/2025</a:t>
             </a:fld>
             <a:endParaRPr lang="en-US"/>
           </a:p>
@@ -9684,7 +9675,7 @@
           <a:p>
             <a:fld id="{846CE7D5-CF57-46EF-B807-FDD0502418D4}" type="datetimeFigureOut">
               <a:rPr lang="en-US" smtClean="0"/>
-              <a:t>2/22/2024</a:t>
+              <a:t>3/13/2025</a:t>
             </a:fld>
             <a:endParaRPr lang="en-US"/>
           </a:p>
@@ -9779,7 +9770,7 @@
           <a:p>
             <a:fld id="{846CE7D5-CF57-46EF-B807-FDD0502418D4}" type="datetimeFigureOut">
               <a:rPr lang="en-US" smtClean="0"/>
-              <a:t>2/22/2024</a:t>
+              <a:t>3/13/2025</a:t>
             </a:fld>
             <a:endParaRPr lang="en-US"/>
           </a:p>
@@ -10054,7 +10045,7 @@
           <a:p>
             <a:fld id="{846CE7D5-CF57-46EF-B807-FDD0502418D4}" type="datetimeFigureOut">
               <a:rPr lang="en-US" smtClean="0"/>
-              <a:t>2/22/2024</a:t>
+              <a:t>3/13/2025</a:t>
             </a:fld>
             <a:endParaRPr lang="en-US"/>
           </a:p>
@@ -10309,7 +10300,7 @@
           <a:p>
             <a:fld id="{846CE7D5-CF57-46EF-B807-FDD0502418D4}" type="datetimeFigureOut">
               <a:rPr lang="en-US" smtClean="0"/>
-              <a:t>2/22/2024</a:t>
+              <a:t>3/13/2025</a:t>
             </a:fld>
             <a:endParaRPr lang="en-US"/>
           </a:p>
@@ -10520,7 +10511,7 @@
           <a:p>
             <a:fld id="{846CE7D5-CF57-46EF-B807-FDD0502418D4}" type="datetimeFigureOut">
               <a:rPr lang="en-US" smtClean="0"/>
-              <a:t>2/22/2024</a:t>
+              <a:t>3/13/2025</a:t>
             </a:fld>
             <a:endParaRPr lang="en-US"/>
           </a:p>
@@ -10970,19 +10961,7 @@
             </a:r>
           </a:p>
           <a:p>
-            <a:r>
-              <a:rPr lang="en-US" dirty="0"/>
-              <a:t>Y2</a:t>
-            </a:r>
-          </a:p>
-          <a:p>
-            <a:r>
-              <a:rPr lang="en-US" sz="1800" i="1" dirty="0"/>
-              <a:t>Produced by: Dr. Frank Walsh</a:t>
-            </a:r>
-            <a:endParaRPr lang="en-US" sz="1800" i="1" dirty="0">
-              <a:cs typeface="Calibri"/>
-            </a:endParaRPr>
+            <a:endParaRPr lang="en-US" dirty="0"/>
           </a:p>
         </p:txBody>
       </p:sp>
@@ -11051,7 +11030,7 @@
         <p:spPr/>
         <p:txBody>
           <a:bodyPr vert="horz" lIns="91440" tIns="45720" rIns="91440" bIns="45720" rtlCol="0" anchor="t">
-            <a:normAutofit fontScale="92500" lnSpcReduction="10000"/>
+            <a:normAutofit lnSpcReduction="10000"/>
           </a:bodyPr>
           <a:lstStyle/>
           <a:p>
@@ -11074,13 +11053,6 @@
             </a:r>
           </a:p>
           <a:p>
-            <a:pPr lvl="1"/>
-            <a:r>
-              <a:rPr lang="en-US" dirty="0"/>
-              <a:t>Several Deliverables</a:t>
-            </a:r>
-          </a:p>
-          <a:p>
             <a:r>
               <a:rPr lang="en-US" dirty="0"/>
               <a:t>For this assignment you are required to</a:t>
@@ -11118,7 +11090,7 @@
               <a:rPr lang="en-US" dirty="0">
                 <a:cs typeface="Calibri"/>
               </a:rPr>
-              <a:t>Requires a "physical" aspect – sensors/devices</a:t>
+              <a:t>Requires a "physical" aspect – sensors/devices(or simulated by request)</a:t>
             </a:r>
             <a:endParaRPr lang="en-US" dirty="0"/>
           </a:p>
@@ -11418,6 +11390,127 @@
 <file path=ppt/slides/slide4.xml><?xml version="1.0" encoding="utf-8"?>
 <p:sld xmlns:a="http://schemas.openxmlformats.org/drawingml/2006/main" xmlns:r="http://schemas.openxmlformats.org/officeDocument/2006/relationships" xmlns:p="http://schemas.openxmlformats.org/presentationml/2006/main">
   <p:cSld>
+    <p:spTree>
+      <p:nvGrpSpPr>
+        <p:cNvPr id="1" name=""/>
+        <p:cNvGrpSpPr/>
+        <p:nvPr/>
+      </p:nvGrpSpPr>
+      <p:grpSpPr>
+        <a:xfrm>
+          <a:off x="0" y="0"/>
+          <a:ext cx="0" cy="0"/>
+          <a:chOff x="0" y="0"/>
+          <a:chExt cx="0" cy="0"/>
+        </a:xfrm>
+      </p:grpSpPr>
+      <p:sp>
+        <p:nvSpPr>
+          <p:cNvPr id="2" name="Title 1">
+            <a:extLst>
+              <a:ext uri="{FF2B5EF4-FFF2-40B4-BE49-F238E27FC236}">
+                <a16:creationId xmlns:a16="http://schemas.microsoft.com/office/drawing/2014/main" id="{21C36686-0B85-0F26-E6E7-EB69B37EA7F6}"/>
+              </a:ext>
+            </a:extLst>
+          </p:cNvPr>
+          <p:cNvSpPr>
+            <a:spLocks noGrp="1"/>
+          </p:cNvSpPr>
+          <p:nvPr>
+            <p:ph type="title"/>
+          </p:nvPr>
+        </p:nvSpPr>
+        <p:spPr/>
+        <p:txBody>
+          <a:bodyPr/>
+          <a:lstStyle/>
+          <a:p>
+            <a:r>
+              <a:rPr lang="en-IE" dirty="0"/>
+              <a:t>IoT Layers of your Project</a:t>
+            </a:r>
+          </a:p>
+        </p:txBody>
+      </p:sp>
+      <p:sp>
+        <p:nvSpPr>
+          <p:cNvPr id="3" name="Content Placeholder 2">
+            <a:extLst>
+              <a:ext uri="{FF2B5EF4-FFF2-40B4-BE49-F238E27FC236}">
+                <a16:creationId xmlns:a16="http://schemas.microsoft.com/office/drawing/2014/main" id="{8D13249A-3260-8998-6B73-47D916DEC234}"/>
+              </a:ext>
+            </a:extLst>
+          </p:cNvPr>
+          <p:cNvSpPr>
+            <a:spLocks noGrp="1"/>
+          </p:cNvSpPr>
+          <p:nvPr>
+            <p:ph idx="1"/>
+          </p:nvPr>
+        </p:nvSpPr>
+        <p:spPr/>
+        <p:txBody>
+          <a:bodyPr/>
+          <a:lstStyle/>
+          <a:p>
+            <a:r>
+              <a:rPr lang="en-GB" b="1" dirty="0"/>
+              <a:t>Sensor Layer:</a:t>
+            </a:r>
+            <a:r>
+              <a:rPr lang="en-GB" dirty="0"/>
+              <a:t> Collects real-time data from the environment.</a:t>
+            </a:r>
+          </a:p>
+          <a:p>
+            <a:r>
+              <a:rPr lang="en-GB" b="1" dirty="0"/>
+              <a:t>Processing Node:</a:t>
+            </a:r>
+            <a:r>
+              <a:rPr lang="en-GB" dirty="0"/>
+              <a:t> Raspberry Pi processes and transmits data.</a:t>
+            </a:r>
+          </a:p>
+          <a:p>
+            <a:r>
+              <a:rPr lang="en-GB" b="1" dirty="0"/>
+              <a:t>Gateway Layer:</a:t>
+            </a:r>
+            <a:r>
+              <a:rPr lang="en-GB" dirty="0"/>
+              <a:t> Data is relayed through an IoT hub/platform.</a:t>
+            </a:r>
+          </a:p>
+          <a:p>
+            <a:r>
+              <a:rPr lang="en-GB" b="1" dirty="0"/>
+              <a:t>Application Layer:</a:t>
+            </a:r>
+            <a:r>
+              <a:rPr lang="en-GB" dirty="0"/>
+              <a:t> Visualizes and actuates responses.</a:t>
+            </a:r>
+            <a:endParaRPr lang="en-IE" dirty="0"/>
+          </a:p>
+        </p:txBody>
+      </p:sp>
+    </p:spTree>
+    <p:extLst>
+      <p:ext uri="{BB962C8B-B14F-4D97-AF65-F5344CB8AC3E}">
+        <p14:creationId xmlns:p14="http://schemas.microsoft.com/office/powerpoint/2010/main" val="3830637611"/>
+      </p:ext>
+    </p:extLst>
+  </p:cSld>
+  <p:clrMapOvr>
+    <a:masterClrMapping/>
+  </p:clrMapOvr>
+</p:sld>
+</file>
+
+<file path=ppt/slides/slide5.xml><?xml version="1.0" encoding="utf-8"?>
+<p:sld xmlns:a="http://schemas.openxmlformats.org/drawingml/2006/main" xmlns:r="http://schemas.openxmlformats.org/officeDocument/2006/relationships" xmlns:p="http://schemas.openxmlformats.org/presentationml/2006/main">
+  <p:cSld>
     <p:bg>
       <p:bgPr>
         <a:solidFill>
@@ -11482,7 +11575,7 @@
           <p:nvPr>
             <p:extLst>
               <p:ext uri="{D42A27DB-BD31-4B8C-83A1-F6EECF244321}">
-                <p14:modId xmlns:p14="http://schemas.microsoft.com/office/powerpoint/2010/main" val="1581551070"/>
+                <p14:modId xmlns:p14="http://schemas.microsoft.com/office/powerpoint/2010/main" val="968240343"/>
               </p:ext>
             </p:extLst>
           </p:nvPr>
@@ -11510,7 +11603,7 @@
 </p:sld>
 </file>
 
-<file path=ppt/slides/slide5.xml><?xml version="1.0" encoding="utf-8"?>
+<file path=ppt/slides/slide6.xml><?xml version="1.0" encoding="utf-8"?>
 <p:sld xmlns:a="http://schemas.openxmlformats.org/drawingml/2006/main" xmlns:r="http://schemas.openxmlformats.org/officeDocument/2006/relationships" xmlns:p="http://schemas.openxmlformats.org/presentationml/2006/main">
   <p:cSld>
     <p:spTree>
@@ -11547,448 +11640,65 @@
           <a:bodyPr/>
           <a:lstStyle/>
           <a:p>
-            <a:r>
-              <a:rPr lang="en-US"/>
-              <a:t>Grade Spectrum</a:t>
-            </a:r>
+            <a:endParaRPr lang="en-US" dirty="0"/>
           </a:p>
         </p:txBody>
       </p:sp>
-      <p:graphicFrame>
-        <p:nvGraphicFramePr>
-          <p:cNvPr id="4" name="Content Placeholder 3"/>
-          <p:cNvGraphicFramePr>
-            <a:graphicFrameLocks noGrp="1"/>
-          </p:cNvGraphicFramePr>
+      <p:sp>
+        <p:nvSpPr>
+          <p:cNvPr id="7" name="Content Placeholder 6">
+            <a:extLst>
+              <a:ext uri="{FF2B5EF4-FFF2-40B4-BE49-F238E27FC236}">
+                <a16:creationId xmlns:a16="http://schemas.microsoft.com/office/drawing/2014/main" id="{987EC2E8-02DD-D5F2-C729-A8D37F775784}"/>
+              </a:ext>
+            </a:extLst>
+          </p:cNvPr>
+          <p:cNvSpPr>
+            <a:spLocks noGrp="1"/>
+          </p:cNvSpPr>
           <p:nvPr>
             <p:ph idx="1"/>
-            <p:extLst>
-              <p:ext uri="{D42A27DB-BD31-4B8C-83A1-F6EECF244321}">
-                <p14:modId xmlns:p14="http://schemas.microsoft.com/office/powerpoint/2010/main" val="3172252005"/>
-              </p:ext>
-            </p:extLst>
           </p:nvPr>
-        </p:nvGraphicFramePr>
-        <p:xfrm>
-          <a:off x="724786" y="1002707"/>
-          <a:ext cx="10627409" cy="5835169"/>
-        </p:xfrm>
-        <a:graphic>
-          <a:graphicData uri="http://schemas.openxmlformats.org/drawingml/2006/table">
-            <a:tbl>
-              <a:tblPr firstRow="1" bandRow="1">
-                <a:tableStyleId>{5C22544A-7EE6-4342-B048-85BDC9FD1C3A}</a:tableStyleId>
-              </a:tblPr>
-              <a:tblGrid>
-                <a:gridCol w="963109">
-                  <a:extLst>
-                    <a:ext uri="{9D8B030D-6E8A-4147-A177-3AD203B41FA5}">
-                      <a16:colId xmlns:a16="http://schemas.microsoft.com/office/drawing/2014/main" val="3985792009"/>
-                    </a:ext>
-                  </a:extLst>
-                </a:gridCol>
-                <a:gridCol w="2773090">
-                  <a:extLst>
-                    <a:ext uri="{9D8B030D-6E8A-4147-A177-3AD203B41FA5}">
-                      <a16:colId xmlns:a16="http://schemas.microsoft.com/office/drawing/2014/main" val="531231766"/>
-                    </a:ext>
-                  </a:extLst>
-                </a:gridCol>
-                <a:gridCol w="2413344">
-                  <a:extLst>
-                    <a:ext uri="{9D8B030D-6E8A-4147-A177-3AD203B41FA5}">
-                      <a16:colId xmlns:a16="http://schemas.microsoft.com/office/drawing/2014/main" val="107840495"/>
-                    </a:ext>
-                  </a:extLst>
-                </a:gridCol>
-                <a:gridCol w="2219542">
-                  <a:extLst>
-                    <a:ext uri="{9D8B030D-6E8A-4147-A177-3AD203B41FA5}">
-                      <a16:colId xmlns:a16="http://schemas.microsoft.com/office/drawing/2014/main" val="218920755"/>
-                    </a:ext>
-                  </a:extLst>
-                </a:gridCol>
-                <a:gridCol w="2258324">
-                  <a:extLst>
-                    <a:ext uri="{9D8B030D-6E8A-4147-A177-3AD203B41FA5}">
-                      <a16:colId xmlns:a16="http://schemas.microsoft.com/office/drawing/2014/main" val="2416057242"/>
-                    </a:ext>
-                  </a:extLst>
-                </a:gridCol>
-              </a:tblGrid>
-              <a:tr h="696086">
-                <a:tc>
-                  <a:txBody>
-                    <a:bodyPr/>
-                    <a:lstStyle/>
-                    <a:p>
-                      <a:endParaRPr lang="en-US" sz="2000"/>
-                    </a:p>
-                  </a:txBody>
-                  <a:tcPr/>
-                </a:tc>
-                <a:tc>
-                  <a:txBody>
-                    <a:bodyPr/>
-                    <a:lstStyle/>
-                    <a:p>
-                      <a:r>
-                        <a:rPr lang="en-US" sz="2000" dirty="0"/>
-                        <a:t>Combined knowledge (15)</a:t>
-                      </a:r>
-                    </a:p>
-                  </a:txBody>
-                  <a:tcPr/>
-                </a:tc>
-                <a:tc>
-                  <a:txBody>
-                    <a:bodyPr/>
-                    <a:lstStyle/>
-                    <a:p>
-                      <a:r>
-                        <a:rPr lang="en-US" sz="2000" dirty="0"/>
-                        <a:t>IoT Technologies (35)</a:t>
-                      </a:r>
-                    </a:p>
-                  </a:txBody>
-                  <a:tcPr/>
-                </a:tc>
-                <a:tc>
-                  <a:txBody>
-                    <a:bodyPr/>
-                    <a:lstStyle/>
-                    <a:p>
-                      <a:r>
-                        <a:rPr lang="en-US" sz="2000" dirty="0"/>
-                        <a:t>Solution (35)</a:t>
-                      </a:r>
-                    </a:p>
-                  </a:txBody>
-                  <a:tcPr/>
-                </a:tc>
-                <a:tc>
-                  <a:txBody>
-                    <a:bodyPr/>
-                    <a:lstStyle/>
-                    <a:p>
-                      <a:r>
-                        <a:rPr lang="en-US" sz="2000" dirty="0"/>
-                        <a:t>Communication (15)</a:t>
-                      </a:r>
-                    </a:p>
-                  </a:txBody>
-                  <a:tcPr/>
-                </a:tc>
-                <a:extLst>
-                  <a:ext uri="{0D108BD9-81ED-4DB2-BD59-A6C34878D82A}">
-                    <a16:rowId xmlns:a16="http://schemas.microsoft.com/office/drawing/2014/main" val="4259212316"/>
-                  </a:ext>
-                </a:extLst>
-              </a:tr>
-              <a:tr h="966315">
-                <a:tc>
-                  <a:txBody>
-                    <a:bodyPr/>
-                    <a:lstStyle/>
-                    <a:p>
-                      <a:r>
-                        <a:rPr lang="en-US" sz="1600" dirty="0"/>
-                        <a:t>Base (40-49)</a:t>
-                      </a:r>
-                    </a:p>
-                  </a:txBody>
-                  <a:tcPr/>
-                </a:tc>
-                <a:tc>
-                  <a:txBody>
-                    <a:bodyPr/>
-                    <a:lstStyle/>
-                    <a:p>
-                      <a:r>
-                        <a:rPr lang="en-US" sz="1600" dirty="0"/>
-                        <a:t>2 </a:t>
-                      </a:r>
-                      <a:r>
-                        <a:rPr lang="en-US" sz="1600" dirty="0" err="1"/>
-                        <a:t>programme</a:t>
-                      </a:r>
-                      <a:r>
-                        <a:rPr lang="en-US" sz="1600" dirty="0"/>
-                        <a:t> strands present in output. Basic knowledge of each exhibited. (e.g. programming, database, computer systems)</a:t>
-                      </a:r>
-                    </a:p>
-                  </a:txBody>
-                  <a:tcPr/>
-                </a:tc>
-                <a:tc>
-                  <a:txBody>
-                    <a:bodyPr/>
-                    <a:lstStyle/>
-                    <a:p>
-                      <a:r>
-                        <a:rPr lang="en-US" sz="1600" dirty="0"/>
-                        <a:t>Physical/Data link layer solution. Minimal devices</a:t>
-                      </a:r>
-                    </a:p>
-                  </a:txBody>
-                  <a:tcPr/>
-                </a:tc>
-                <a:tc>
-                  <a:txBody>
-                    <a:bodyPr/>
-                    <a:lstStyle/>
-                    <a:p>
-                      <a:r>
-                        <a:rPr lang="en-US" sz="1600" dirty="0"/>
-                        <a:t>Basic solution that may form basis of overall application. Sensor focused.</a:t>
-                      </a:r>
-                    </a:p>
-                  </a:txBody>
-                  <a:tcPr/>
-                </a:tc>
-                <a:tc>
-                  <a:txBody>
-                    <a:bodyPr/>
-                    <a:lstStyle/>
-                    <a:p>
-                      <a:r>
-                        <a:rPr lang="en-US" sz="1600" dirty="0"/>
-                        <a:t>Minimal (1) communication resource used (simple read me) and video.</a:t>
-                      </a:r>
-                      <a:endParaRPr lang="en-US" dirty="0"/>
-                    </a:p>
-                  </a:txBody>
-                  <a:tcPr/>
-                </a:tc>
-                <a:extLst>
-                  <a:ext uri="{0D108BD9-81ED-4DB2-BD59-A6C34878D82A}">
-                    <a16:rowId xmlns:a16="http://schemas.microsoft.com/office/drawing/2014/main" val="3124144788"/>
-                  </a:ext>
-                </a:extLst>
-              </a:tr>
-              <a:tr h="1152148">
-                <a:tc>
-                  <a:txBody>
-                    <a:bodyPr/>
-                    <a:lstStyle/>
-                    <a:p>
-                      <a:r>
-                        <a:rPr lang="en-US" sz="1600" dirty="0"/>
-                        <a:t>Good (50-64)</a:t>
-                      </a:r>
-                    </a:p>
-                  </a:txBody>
-                  <a:tcPr/>
-                </a:tc>
-                <a:tc>
-                  <a:txBody>
-                    <a:bodyPr/>
-                    <a:lstStyle/>
-                    <a:p>
-                      <a:r>
-                        <a:rPr lang="en-US" sz="1600" dirty="0">
-                          <a:latin typeface="Calibri"/>
-                        </a:rPr>
-                        <a:t>apply concepts from more than two modules/strands..</a:t>
-                      </a:r>
-                    </a:p>
-                  </a:txBody>
-                  <a:tcPr/>
-                </a:tc>
-                <a:tc>
-                  <a:txBody>
-                    <a:bodyPr/>
-                    <a:lstStyle/>
-                    <a:p>
-                      <a:r>
-                        <a:rPr lang="en-US" sz="1600" dirty="0"/>
-                        <a:t>Wireless protocols. &gt;1 protocol. Interconnected devices.</a:t>
-                      </a:r>
-                    </a:p>
-                  </a:txBody>
-                  <a:tcPr/>
-                </a:tc>
-                <a:tc>
-                  <a:txBody>
-                    <a:bodyPr/>
-                    <a:lstStyle/>
-                    <a:p>
-                      <a:r>
-                        <a:rPr lang="en-US" sz="1600" dirty="0"/>
-                        <a:t>Solution with clear IoT and domain application. Includes processing/ gateway function</a:t>
-                      </a:r>
-                    </a:p>
-                  </a:txBody>
-                  <a:tcPr/>
-                </a:tc>
-                <a:tc>
-                  <a:txBody>
-                    <a:bodyPr/>
-                    <a:lstStyle/>
-                    <a:p>
-                      <a:r>
-                        <a:rPr lang="en-US" sz="1600" dirty="0"/>
-                        <a:t>Portfolio/repository  includes clear  presentation, documentation.</a:t>
-                      </a:r>
-                    </a:p>
-                  </a:txBody>
-                  <a:tcPr/>
-                </a:tc>
-                <a:extLst>
-                  <a:ext uri="{0D108BD9-81ED-4DB2-BD59-A6C34878D82A}">
-                    <a16:rowId xmlns:a16="http://schemas.microsoft.com/office/drawing/2014/main" val="4042613281"/>
-                  </a:ext>
-                </a:extLst>
-              </a:tr>
-              <a:tr h="1465407">
-                <a:tc>
-                  <a:txBody>
-                    <a:bodyPr/>
-                    <a:lstStyle/>
-                    <a:p>
-                      <a:r>
-                        <a:rPr lang="en-US" sz="1600" dirty="0"/>
-                        <a:t>Excellent (65-80)</a:t>
-                      </a:r>
-                    </a:p>
-                  </a:txBody>
-                  <a:tcPr/>
-                </a:tc>
-                <a:tc>
-                  <a:txBody>
-                    <a:bodyPr/>
-                    <a:lstStyle/>
-                    <a:p>
-                      <a:r>
-                        <a:rPr lang="en-US" sz="1600" dirty="0"/>
-                        <a:t>&gt;2 strands as above and including more advanced knowledge and concepts.</a:t>
-                      </a:r>
-                    </a:p>
-                  </a:txBody>
-                  <a:tcPr/>
-                </a:tc>
-                <a:tc>
-                  <a:txBody>
-                    <a:bodyPr/>
-                    <a:lstStyle/>
-                    <a:p>
-                      <a:r>
-                        <a:rPr lang="en-US" sz="1600" dirty="0"/>
-                        <a:t>Lightweight messaging. Architecture that mediates between high and low level devices.</a:t>
-                      </a:r>
-                    </a:p>
-                  </a:txBody>
-                  <a:tcPr/>
-                </a:tc>
-                <a:tc>
-                  <a:txBody>
-                    <a:bodyPr/>
-                    <a:lstStyle/>
-                    <a:p>
-                      <a:r>
-                        <a:rPr lang="en-US" sz="1600" dirty="0"/>
-                        <a:t>IoT Application of good prototypical standard. Used to evaluate overall suitability for a production system.</a:t>
-                      </a:r>
-                    </a:p>
-                  </a:txBody>
-                  <a:tcPr/>
-                </a:tc>
-                <a:tc>
-                  <a:txBody>
-                    <a:bodyPr/>
-                    <a:lstStyle/>
-                    <a:p>
-                      <a:r>
-                        <a:rPr lang="en-US" sz="1600" dirty="0"/>
-                        <a:t>Additional  communication resources (e.g. instruction video, learning resources)</a:t>
-                      </a:r>
-                    </a:p>
-                  </a:txBody>
-                  <a:tcPr/>
-                </a:tc>
-                <a:extLst>
-                  <a:ext uri="{0D108BD9-81ED-4DB2-BD59-A6C34878D82A}">
-                    <a16:rowId xmlns:a16="http://schemas.microsoft.com/office/drawing/2014/main" val="1683197328"/>
-                  </a:ext>
-                </a:extLst>
-              </a:tr>
-              <a:tr h="1116861">
-                <a:tc>
-                  <a:txBody>
-                    <a:bodyPr/>
-                    <a:lstStyle/>
-                    <a:p>
-                      <a:r>
-                        <a:rPr lang="en-US" sz="1600" dirty="0"/>
-                        <a:t>Outstanding (80-100)</a:t>
-                      </a:r>
-                    </a:p>
-                  </a:txBody>
-                  <a:tcPr/>
-                </a:tc>
-                <a:tc>
-                  <a:txBody>
-                    <a:bodyPr/>
-                    <a:lstStyle/>
-                    <a:p>
-                      <a:r>
-                        <a:rPr lang="en-US" sz="1600" dirty="0"/>
-                        <a:t>All above, including self-acquired knowledge over and above module content.</a:t>
-                      </a:r>
-                    </a:p>
-                  </a:txBody>
-                  <a:tcPr/>
-                </a:tc>
-                <a:tc>
-                  <a:txBody>
-                    <a:bodyPr/>
-                    <a:lstStyle/>
-                    <a:p>
-                      <a:r>
-                        <a:rPr lang="en-US" sz="1600" dirty="0"/>
-                        <a:t>All previous to excellent level.  Excellent Use of Cloud/IoT specific platforms</a:t>
-                      </a:r>
-                    </a:p>
-                  </a:txBody>
-                  <a:tcPr/>
-                </a:tc>
-                <a:tc>
-                  <a:txBody>
-                    <a:bodyPr/>
-                    <a:lstStyle/>
-                    <a:p>
-                      <a:r>
-                        <a:rPr lang="en-US" sz="1600" dirty="0"/>
-                        <a:t>Novel solution of clear applicability to specific domain. Could result in employment offer. </a:t>
-                      </a:r>
-                      <a:endParaRPr lang="en-US" sz="1600"/>
-                    </a:p>
-                  </a:txBody>
-                  <a:tcPr/>
-                </a:tc>
-                <a:tc>
-                  <a:txBody>
-                    <a:bodyPr/>
-                    <a:lstStyle/>
-                    <a:p>
-                      <a:r>
-                        <a:rPr lang="en-US" sz="1600" dirty="0"/>
-                        <a:t>All the above, accessible project platform (e.g. web site)</a:t>
-                      </a:r>
-                    </a:p>
-                  </a:txBody>
-                  <a:tcPr/>
-                </a:tc>
-                <a:extLst>
-                  <a:ext uri="{0D108BD9-81ED-4DB2-BD59-A6C34878D82A}">
-                    <a16:rowId xmlns:a16="http://schemas.microsoft.com/office/drawing/2014/main" val="1972566474"/>
-                  </a:ext>
-                </a:extLst>
-              </a:tr>
-            </a:tbl>
-          </a:graphicData>
-        </a:graphic>
-      </p:graphicFrame>
+        </p:nvSpPr>
+        <p:spPr/>
+        <p:txBody>
+          <a:bodyPr/>
+          <a:lstStyle/>
+          <a:p>
+            <a:endParaRPr lang="en-IE"/>
+          </a:p>
+        </p:txBody>
+      </p:sp>
+      <p:pic>
+        <p:nvPicPr>
+          <p:cNvPr id="14" name="Picture 13">
+            <a:extLst>
+              <a:ext uri="{FF2B5EF4-FFF2-40B4-BE49-F238E27FC236}">
+                <a16:creationId xmlns:a16="http://schemas.microsoft.com/office/drawing/2014/main" id="{52DD00F2-7316-F1AD-A268-09655BDCBE51}"/>
+              </a:ext>
+            </a:extLst>
+          </p:cNvPr>
+          <p:cNvPicPr>
+            <a:picLocks noChangeAspect="1"/>
+          </p:cNvPicPr>
+          <p:nvPr/>
+        </p:nvPicPr>
+        <p:blipFill>
+          <a:blip r:embed="rId3"/>
+          <a:stretch>
+            <a:fillRect/>
+          </a:stretch>
+        </p:blipFill>
+        <p:spPr>
+          <a:xfrm>
+            <a:off x="694194" y="230535"/>
+            <a:ext cx="9338448" cy="6527384"/>
+          </a:xfrm>
+          <a:prstGeom prst="rect">
+            <a:avLst/>
+          </a:prstGeom>
+        </p:spPr>
+      </p:pic>
     </p:spTree>
     <p:extLst>
       <p:ext uri="{BB962C8B-B14F-4D97-AF65-F5344CB8AC3E}">
@@ -12002,7 +11712,7 @@
 </p:sld>
 </file>
 
-<file path=ppt/slides/slide6.xml><?xml version="1.0" encoding="utf-8"?>
+<file path=ppt/slides/slide7.xml><?xml version="1.0" encoding="utf-8"?>
 <p:sld xmlns:a="http://schemas.openxmlformats.org/drawingml/2006/main" xmlns:r="http://schemas.openxmlformats.org/officeDocument/2006/relationships" xmlns:p="http://schemas.openxmlformats.org/presentationml/2006/main">
   <p:cSld>
     <p:bg>
@@ -12554,495 +12264,6 @@
 </p:sld>
 </file>
 
-<file path=ppt/slides/slide7.xml><?xml version="1.0" encoding="utf-8"?>
-<p:sld xmlns:a="http://schemas.openxmlformats.org/drawingml/2006/main" xmlns:r="http://schemas.openxmlformats.org/officeDocument/2006/relationships" xmlns:p="http://schemas.openxmlformats.org/presentationml/2006/main">
-  <p:cSld>
-    <p:spTree>
-      <p:nvGrpSpPr>
-        <p:cNvPr id="1" name=""/>
-        <p:cNvGrpSpPr/>
-        <p:nvPr/>
-      </p:nvGrpSpPr>
-      <p:grpSpPr>
-        <a:xfrm>
-          <a:off x="0" y="0"/>
-          <a:ext cx="0" cy="0"/>
-          <a:chOff x="0" y="0"/>
-          <a:chExt cx="0" cy="0"/>
-        </a:xfrm>
-      </p:grpSpPr>
-      <p:pic>
-        <p:nvPicPr>
-          <p:cNvPr id="13" name="Picture 12">
-            <a:hlinkClick r:id="rId2"/>
-            <a:extLst>
-              <a:ext uri="{FF2B5EF4-FFF2-40B4-BE49-F238E27FC236}">
-                <a16:creationId xmlns:a16="http://schemas.microsoft.com/office/drawing/2014/main" id="{2BFF5E30-FAB3-4EC3-8D95-EF794643C71A}"/>
-              </a:ext>
-            </a:extLst>
-          </p:cNvPr>
-          <p:cNvPicPr>
-            <a:picLocks noChangeAspect="1"/>
-          </p:cNvPicPr>
-          <p:nvPr/>
-        </p:nvPicPr>
-        <p:blipFill>
-          <a:blip r:embed="rId3"/>
-          <a:stretch>
-            <a:fillRect/>
-          </a:stretch>
-        </p:blipFill>
-        <p:spPr>
-          <a:xfrm>
-            <a:off x="4121150" y="960438"/>
-            <a:ext cx="7021513" cy="2570163"/>
-          </a:xfrm>
-          <a:prstGeom prst="rect">
-            <a:avLst/>
-          </a:prstGeom>
-        </p:spPr>
-      </p:pic>
-      <p:pic>
-        <p:nvPicPr>
-          <p:cNvPr id="8" name="Picture 7" descr="A close - up of a grey box&#10;&#10;Description automatically generated with low confidence">
-            <a:extLst>
-              <a:ext uri="{FF2B5EF4-FFF2-40B4-BE49-F238E27FC236}">
-                <a16:creationId xmlns:a16="http://schemas.microsoft.com/office/drawing/2014/main" id="{D6EDA534-4B91-4C77-BF90-5002A155E942}"/>
-              </a:ext>
-            </a:extLst>
-          </p:cNvPr>
-          <p:cNvPicPr>
-            <a:picLocks noChangeAspect="1"/>
-          </p:cNvPicPr>
-          <p:nvPr/>
-        </p:nvPicPr>
-        <p:blipFill rotWithShape="1">
-          <a:blip r:embed="rId4">
-            <a:extLst>
-              <a:ext uri="{28A0092B-C50C-407E-A947-70E740481C1C}">
-                <a14:useLocalDpi xmlns:a14="http://schemas.microsoft.com/office/drawing/2010/main" val="0"/>
-              </a:ext>
-              <a:ext uri="{837473B0-CC2E-450A-ABE3-18F120FF3D39}">
-                <a1611:picAttrSrcUrl xmlns:a1611="http://schemas.microsoft.com/office/drawing/2016/11/main" r:id="rId5"/>
-              </a:ext>
-            </a:extLst>
-          </a:blip>
-          <a:srcRect l="11084" r="8919" b="3"/>
-          <a:stretch/>
-        </p:blipFill>
-        <p:spPr>
-          <a:xfrm>
-            <a:off x="4121150" y="3590925"/>
-            <a:ext cx="2300288" cy="2300288"/>
-          </a:xfrm>
-          <a:custGeom>
-            <a:avLst/>
-            <a:gdLst/>
-            <a:ahLst/>
-            <a:cxnLst/>
-            <a:rect l="l" t="t" r="r" b="b"/>
-            <a:pathLst>
-              <a:path w="2971800" h="2971800">
-                <a:moveTo>
-                  <a:pt x="1485900" y="0"/>
-                </a:moveTo>
-                <a:cubicBezTo>
-                  <a:pt x="2306540" y="0"/>
-                  <a:pt x="2971800" y="665260"/>
-                  <a:pt x="2971800" y="1485900"/>
-                </a:cubicBezTo>
-                <a:cubicBezTo>
-                  <a:pt x="2971800" y="2306540"/>
-                  <a:pt x="2306540" y="2971800"/>
-                  <a:pt x="1485900" y="2971800"/>
-                </a:cubicBezTo>
-                <a:cubicBezTo>
-                  <a:pt x="665260" y="2971800"/>
-                  <a:pt x="0" y="2306540"/>
-                  <a:pt x="0" y="1485900"/>
-                </a:cubicBezTo>
-                <a:cubicBezTo>
-                  <a:pt x="0" y="665260"/>
-                  <a:pt x="665260" y="0"/>
-                  <a:pt x="1485900" y="0"/>
-                </a:cubicBezTo>
-                <a:close/>
-              </a:path>
-            </a:pathLst>
-          </a:custGeom>
-        </p:spPr>
-      </p:pic>
-      <p:pic>
-        <p:nvPicPr>
-          <p:cNvPr id="11" name="Picture 10" descr="A picture containing electronics, circuit&#10;&#10;Description automatically generated">
-            <a:extLst>
-              <a:ext uri="{FF2B5EF4-FFF2-40B4-BE49-F238E27FC236}">
-                <a16:creationId xmlns:a16="http://schemas.microsoft.com/office/drawing/2014/main" id="{BEAB5916-8064-433F-9382-1DAEA8CCC5EA}"/>
-              </a:ext>
-            </a:extLst>
-          </p:cNvPr>
-          <p:cNvPicPr>
-            <a:picLocks noChangeAspect="1"/>
-          </p:cNvPicPr>
-          <p:nvPr/>
-        </p:nvPicPr>
-        <p:blipFill rotWithShape="1">
-          <a:blip r:embed="rId6" cstate="print">
-            <a:extLst>
-              <a:ext uri="{28A0092B-C50C-407E-A947-70E740481C1C}">
-                <a14:useLocalDpi xmlns:a14="http://schemas.microsoft.com/office/drawing/2010/main" val="0"/>
-              </a:ext>
-              <a:ext uri="{837473B0-CC2E-450A-ABE3-18F120FF3D39}">
-                <a1611:picAttrSrcUrl xmlns:a1611="http://schemas.microsoft.com/office/drawing/2016/11/main" r:id="rId7"/>
-              </a:ext>
-            </a:extLst>
-          </a:blip>
-          <a:srcRect l="36057" r="7693"/>
-          <a:stretch/>
-        </p:blipFill>
-        <p:spPr>
-          <a:xfrm>
-            <a:off x="6480175" y="3590925"/>
-            <a:ext cx="2300288" cy="2300288"/>
-          </a:xfrm>
-          <a:custGeom>
-            <a:avLst/>
-            <a:gdLst/>
-            <a:ahLst/>
-            <a:cxnLst/>
-            <a:rect l="l" t="t" r="r" b="b"/>
-            <a:pathLst>
-              <a:path w="2971800" h="2971800">
-                <a:moveTo>
-                  <a:pt x="1485900" y="0"/>
-                </a:moveTo>
-                <a:cubicBezTo>
-                  <a:pt x="2306540" y="0"/>
-                  <a:pt x="2971800" y="665260"/>
-                  <a:pt x="2971800" y="1485900"/>
-                </a:cubicBezTo>
-                <a:cubicBezTo>
-                  <a:pt x="2971800" y="2306540"/>
-                  <a:pt x="2306540" y="2971800"/>
-                  <a:pt x="1485900" y="2971800"/>
-                </a:cubicBezTo>
-                <a:cubicBezTo>
-                  <a:pt x="665260" y="2971800"/>
-                  <a:pt x="0" y="2306540"/>
-                  <a:pt x="0" y="1485900"/>
-                </a:cubicBezTo>
-                <a:cubicBezTo>
-                  <a:pt x="0" y="665260"/>
-                  <a:pt x="665260" y="0"/>
-                  <a:pt x="1485900" y="0"/>
-                </a:cubicBezTo>
-                <a:close/>
-              </a:path>
-            </a:pathLst>
-          </a:custGeom>
-        </p:spPr>
-      </p:pic>
-      <p:pic>
-        <p:nvPicPr>
-          <p:cNvPr id="5" name="Content Placeholder 4" descr="Graphical user interface, application&#10;&#10;Description automatically generated">
-            <a:extLst>
-              <a:ext uri="{FF2B5EF4-FFF2-40B4-BE49-F238E27FC236}">
-                <a16:creationId xmlns:a16="http://schemas.microsoft.com/office/drawing/2014/main" id="{F33685F2-5C4F-4C8A-A672-4AB32B6FAD01}"/>
-              </a:ext>
-            </a:extLst>
-          </p:cNvPr>
-          <p:cNvPicPr>
-            <a:picLocks noGrp="1" noChangeAspect="1"/>
-          </p:cNvPicPr>
-          <p:nvPr>
-            <p:ph idx="1"/>
-          </p:nvPr>
-        </p:nvPicPr>
-        <p:blipFill rotWithShape="1">
-          <a:blip r:embed="rId8">
-            <a:extLst>
-              <a:ext uri="{28A0092B-C50C-407E-A947-70E740481C1C}">
-                <a14:useLocalDpi xmlns:a14="http://schemas.microsoft.com/office/drawing/2010/main" val="0"/>
-              </a:ext>
-              <a:ext uri="{837473B0-CC2E-450A-ABE3-18F120FF3D39}">
-                <a1611:picAttrSrcUrl xmlns:a1611="http://schemas.microsoft.com/office/drawing/2016/11/main" r:id="rId9"/>
-              </a:ext>
-            </a:extLst>
-          </a:blip>
-          <a:srcRect l="8961" r="16536" b="-5"/>
-          <a:stretch/>
-        </p:blipFill>
-        <p:spPr>
-          <a:xfrm>
-            <a:off x="8842375" y="3590925"/>
-            <a:ext cx="2300288" cy="2300288"/>
-          </a:xfrm>
-          <a:custGeom>
-            <a:avLst/>
-            <a:gdLst/>
-            <a:ahLst/>
-            <a:cxnLst/>
-            <a:rect l="l" t="t" r="r" b="b"/>
-            <a:pathLst>
-              <a:path w="2971800" h="2971800">
-                <a:moveTo>
-                  <a:pt x="1485900" y="0"/>
-                </a:moveTo>
-                <a:cubicBezTo>
-                  <a:pt x="2306540" y="0"/>
-                  <a:pt x="2971800" y="665260"/>
-                  <a:pt x="2971800" y="1485900"/>
-                </a:cubicBezTo>
-                <a:cubicBezTo>
-                  <a:pt x="2971800" y="2306540"/>
-                  <a:pt x="2306540" y="2971800"/>
-                  <a:pt x="1485900" y="2971800"/>
-                </a:cubicBezTo>
-                <a:cubicBezTo>
-                  <a:pt x="665260" y="2971800"/>
-                  <a:pt x="0" y="2306540"/>
-                  <a:pt x="0" y="1485900"/>
-                </a:cubicBezTo>
-                <a:cubicBezTo>
-                  <a:pt x="0" y="665260"/>
-                  <a:pt x="665260" y="0"/>
-                  <a:pt x="1485900" y="0"/>
-                </a:cubicBezTo>
-                <a:close/>
-              </a:path>
-            </a:pathLst>
-          </a:custGeom>
-        </p:spPr>
-      </p:pic>
-      <p:sp>
-        <p:nvSpPr>
-          <p:cNvPr id="2" name="Title 1">
-            <a:extLst>
-              <a:ext uri="{FF2B5EF4-FFF2-40B4-BE49-F238E27FC236}">
-                <a16:creationId xmlns:a16="http://schemas.microsoft.com/office/drawing/2014/main" id="{BD20AB09-93FA-4E25-BA99-44D61B17ECC8}"/>
-              </a:ext>
-            </a:extLst>
-          </p:cNvPr>
-          <p:cNvSpPr>
-            <a:spLocks noGrp="1"/>
-          </p:cNvSpPr>
-          <p:nvPr>
-            <p:ph type="title"/>
-          </p:nvPr>
-        </p:nvSpPr>
-        <p:spPr>
-          <a:xfrm>
-            <a:off x="640080" y="2074363"/>
-            <a:ext cx="2752354" cy="2709275"/>
-          </a:xfrm>
-          <a:prstGeom prst="ellipse">
-            <a:avLst/>
-          </a:prstGeom>
-          <a:solidFill>
-            <a:srgbClr val="262626"/>
-          </a:solidFill>
-          <a:ln w="174625" cmpd="thinThick">
-            <a:solidFill>
-              <a:srgbClr val="262626"/>
-            </a:solidFill>
-          </a:ln>
-        </p:spPr>
-        <p:txBody>
-          <a:bodyPr vert="horz" lIns="91440" tIns="45720" rIns="91440" bIns="45720" rtlCol="0" anchor="ctr">
-            <a:normAutofit/>
-          </a:bodyPr>
-          <a:lstStyle/>
-          <a:p>
-            <a:pPr algn="ctr"/>
-            <a:r>
-              <a:rPr lang="en-US" sz="2600" kern="1200">
-                <a:solidFill>
-                  <a:srgbClr val="FFFFFF"/>
-                </a:solidFill>
-                <a:latin typeface="+mj-lt"/>
-                <a:ea typeface="+mj-ea"/>
-                <a:cs typeface="+mj-cs"/>
-              </a:rPr>
-              <a:t>Possible Theme: Automotive</a:t>
-            </a:r>
-          </a:p>
-        </p:txBody>
-      </p:sp>
-      <p:sp>
-        <p:nvSpPr>
-          <p:cNvPr id="6" name="TextBox 5">
-            <a:extLst>
-              <a:ext uri="{FF2B5EF4-FFF2-40B4-BE49-F238E27FC236}">
-                <a16:creationId xmlns:a16="http://schemas.microsoft.com/office/drawing/2014/main" id="{E83BCE8F-5BE5-4F37-88E2-0316009BB9B5}"/>
-              </a:ext>
-            </a:extLst>
-          </p:cNvPr>
-          <p:cNvSpPr txBox="1"/>
-          <p:nvPr/>
-        </p:nvSpPr>
-        <p:spPr>
-          <a:xfrm>
-            <a:off x="7685442" y="6870700"/>
-            <a:ext cx="2307042" cy="200055"/>
-          </a:xfrm>
-          <a:prstGeom prst="rect">
-            <a:avLst/>
-          </a:prstGeom>
-          <a:solidFill>
-            <a:srgbClr val="000000"/>
-          </a:solidFill>
-        </p:spPr>
-        <p:txBody>
-          <a:bodyPr wrap="none" rtlCol="0">
-            <a:spAutoFit/>
-          </a:bodyPr>
-          <a:lstStyle/>
-          <a:p>
-            <a:pPr algn="r">
-              <a:spcAft>
-                <a:spcPts val="600"/>
-              </a:spcAft>
-            </a:pPr>
-            <a:r>
-              <a:rPr lang="en-IE" sz="700">
-                <a:solidFill>
-                  <a:srgbClr val="FFFFFF"/>
-                </a:solidFill>
-                <a:hlinkClick r:id="rId9" tooltip="https://commons.wikimedia.org/wiki/File:Highscreen_Black_Box_SS.png">
-                  <a:extLst>
-                    <a:ext uri="{A12FA001-AC4F-418D-AE19-62706E023703}">
-                      <ahyp:hlinkClr xmlns:ahyp="http://schemas.microsoft.com/office/drawing/2018/hyperlinkcolor" val="tx"/>
-                    </a:ext>
-                  </a:extLst>
-                </a:hlinkClick>
-              </a:rPr>
-              <a:t>This Photo</a:t>
-            </a:r>
-            <a:r>
-              <a:rPr lang="en-IE" sz="700">
-                <a:solidFill>
-                  <a:srgbClr val="FFFFFF"/>
-                </a:solidFill>
-              </a:rPr>
-              <a:t> by Unknown Author is licensed under </a:t>
-            </a:r>
-            <a:r>
-              <a:rPr lang="en-IE" sz="700">
-                <a:solidFill>
-                  <a:srgbClr val="FFFFFF"/>
-                </a:solidFill>
-                <a:hlinkClick r:id="rId10" tooltip="https://creativecommons.org/licenses/by-sa/3.0/">
-                  <a:extLst>
-                    <a:ext uri="{A12FA001-AC4F-418D-AE19-62706E023703}">
-                      <ahyp:hlinkClr xmlns:ahyp="http://schemas.microsoft.com/office/drawing/2018/hyperlinkcolor" val="tx"/>
-                    </a:ext>
-                  </a:extLst>
-                </a:hlinkClick>
-              </a:rPr>
-              <a:t>CC BY-SA</a:t>
-            </a:r>
-            <a:endParaRPr lang="en-IE" sz="700">
-              <a:solidFill>
-                <a:srgbClr val="FFFFFF"/>
-              </a:solidFill>
-            </a:endParaRPr>
-          </a:p>
-        </p:txBody>
-      </p:sp>
-      <p:sp>
-        <p:nvSpPr>
-          <p:cNvPr id="9" name="TextBox 8">
-            <a:extLst>
-              <a:ext uri="{FF2B5EF4-FFF2-40B4-BE49-F238E27FC236}">
-                <a16:creationId xmlns:a16="http://schemas.microsoft.com/office/drawing/2014/main" id="{36A01EBC-EAC7-456E-BF91-5198645D3D17}"/>
-              </a:ext>
-            </a:extLst>
-          </p:cNvPr>
-          <p:cNvSpPr txBox="1"/>
-          <p:nvPr/>
-        </p:nvSpPr>
-        <p:spPr>
-          <a:xfrm>
-            <a:off x="10005184" y="6870700"/>
-            <a:ext cx="2186816" cy="200055"/>
-          </a:xfrm>
-          <a:prstGeom prst="rect">
-            <a:avLst/>
-          </a:prstGeom>
-          <a:solidFill>
-            <a:srgbClr val="000000"/>
-          </a:solidFill>
-        </p:spPr>
-        <p:txBody>
-          <a:bodyPr wrap="none" rtlCol="0">
-            <a:spAutoFit/>
-          </a:bodyPr>
-          <a:lstStyle/>
-          <a:p>
-            <a:pPr algn="r">
-              <a:spcAft>
-                <a:spcPts val="600"/>
-              </a:spcAft>
-            </a:pPr>
-            <a:r>
-              <a:rPr lang="en-IE" sz="700">
-                <a:solidFill>
-                  <a:srgbClr val="FFFFFF"/>
-                </a:solidFill>
-                <a:hlinkClick r:id="rId5" tooltip="https://www.flickr.com/photos/50248059@N04/15739431120">
-                  <a:extLst>
-                    <a:ext uri="{A12FA001-AC4F-418D-AE19-62706E023703}">
-                      <ahyp:hlinkClr xmlns:ahyp="http://schemas.microsoft.com/office/drawing/2018/hyperlinkcolor" val="tx"/>
-                    </a:ext>
-                  </a:extLst>
-                </a:hlinkClick>
-              </a:rPr>
-              <a:t>This Photo</a:t>
-            </a:r>
-            <a:r>
-              <a:rPr lang="en-IE" sz="700">
-                <a:solidFill>
-                  <a:srgbClr val="FFFFFF"/>
-                </a:solidFill>
-              </a:rPr>
-              <a:t> by Unknown Author is licensed under </a:t>
-            </a:r>
-            <a:r>
-              <a:rPr lang="en-IE" sz="700">
-                <a:solidFill>
-                  <a:srgbClr val="FFFFFF"/>
-                </a:solidFill>
-                <a:hlinkClick r:id="rId11" tooltip="https://creativecommons.org/licenses/by/3.0/">
-                  <a:extLst>
-                    <a:ext uri="{A12FA001-AC4F-418D-AE19-62706E023703}">
-                      <ahyp:hlinkClr xmlns:ahyp="http://schemas.microsoft.com/office/drawing/2018/hyperlinkcolor" val="tx"/>
-                    </a:ext>
-                  </a:extLst>
-                </a:hlinkClick>
-              </a:rPr>
-              <a:t>CC BY</a:t>
-            </a:r>
-            <a:endParaRPr lang="en-IE" sz="700">
-              <a:solidFill>
-                <a:srgbClr val="FFFFFF"/>
-              </a:solidFill>
-            </a:endParaRPr>
-          </a:p>
-        </p:txBody>
-      </p:sp>
-    </p:spTree>
-    <p:extLst>
-      <p:ext uri="{BB962C8B-B14F-4D97-AF65-F5344CB8AC3E}">
-        <p14:creationId xmlns:p14="http://schemas.microsoft.com/office/powerpoint/2010/main" val="2235557304"/>
-      </p:ext>
-    </p:extLst>
-  </p:cSld>
-  <p:clrMapOvr>
-    <a:masterClrMapping/>
-  </p:clrMapOvr>
-</p:sld>
-</file>
-
 <file path=ppt/slides/slide8.xml><?xml version="1.0" encoding="utf-8"?>
 <p:sld xmlns:a="http://schemas.openxmlformats.org/drawingml/2006/main" xmlns:r="http://schemas.openxmlformats.org/officeDocument/2006/relationships" xmlns:p="http://schemas.openxmlformats.org/presentationml/2006/main">
   <p:cSld>
@@ -13090,15 +12311,7 @@
             </a:br>
             <a:r>
               <a:rPr lang="en-IE" dirty="0"/>
-              <a:t>Home </a:t>
-            </a:r>
-            <a:r>
-              <a:rPr lang="en-IE" dirty="0" err="1"/>
-              <a:t>Monitoiring</a:t>
-            </a:r>
-            <a:r>
-              <a:rPr lang="en-IE" dirty="0"/>
-              <a:t>/Ambient/Assisted Living</a:t>
+              <a:t>Home Monitoring/Ambient/Assisted Living</a:t>
             </a:r>
           </a:p>
         </p:txBody>
@@ -13179,6 +12392,116 @@
     <p:extLst>
       <p:ext uri="{BB962C8B-B14F-4D97-AF65-F5344CB8AC3E}">
         <p14:creationId xmlns:p14="http://schemas.microsoft.com/office/powerpoint/2010/main" val="3012135429"/>
+      </p:ext>
+    </p:extLst>
+  </p:cSld>
+  <p:clrMapOvr>
+    <a:masterClrMapping/>
+  </p:clrMapOvr>
+</p:sld>
+</file>
+
+<file path=ppt/slides/slide9.xml><?xml version="1.0" encoding="utf-8"?>
+<p:sld xmlns:a="http://schemas.openxmlformats.org/drawingml/2006/main" xmlns:r="http://schemas.openxmlformats.org/officeDocument/2006/relationships" xmlns:p="http://schemas.openxmlformats.org/presentationml/2006/main">
+  <p:cSld>
+    <p:spTree>
+      <p:nvGrpSpPr>
+        <p:cNvPr id="1" name=""/>
+        <p:cNvGrpSpPr/>
+        <p:nvPr/>
+      </p:nvGrpSpPr>
+      <p:grpSpPr>
+        <a:xfrm>
+          <a:off x="0" y="0"/>
+          <a:ext cx="0" cy="0"/>
+          <a:chOff x="0" y="0"/>
+          <a:chExt cx="0" cy="0"/>
+        </a:xfrm>
+      </p:grpSpPr>
+      <p:sp>
+        <p:nvSpPr>
+          <p:cNvPr id="2" name="Title 1">
+            <a:extLst>
+              <a:ext uri="{FF2B5EF4-FFF2-40B4-BE49-F238E27FC236}">
+                <a16:creationId xmlns:a16="http://schemas.microsoft.com/office/drawing/2014/main" id="{E73A6202-45E3-3FFF-C125-BC9D577EE436}"/>
+              </a:ext>
+            </a:extLst>
+          </p:cNvPr>
+          <p:cNvSpPr>
+            <a:spLocks noGrp="1"/>
+          </p:cNvSpPr>
+          <p:nvPr>
+            <p:ph type="title"/>
+          </p:nvPr>
+        </p:nvSpPr>
+        <p:spPr/>
+        <p:txBody>
+          <a:bodyPr/>
+          <a:lstStyle/>
+          <a:p>
+            <a:endParaRPr lang="en-IE" dirty="0"/>
+          </a:p>
+        </p:txBody>
+      </p:sp>
+      <p:sp>
+        <p:nvSpPr>
+          <p:cNvPr id="3" name="Content Placeholder 2">
+            <a:extLst>
+              <a:ext uri="{FF2B5EF4-FFF2-40B4-BE49-F238E27FC236}">
+                <a16:creationId xmlns:a16="http://schemas.microsoft.com/office/drawing/2014/main" id="{D6A3DACE-4338-B176-0A80-B5224A45CFFF}"/>
+              </a:ext>
+            </a:extLst>
+          </p:cNvPr>
+          <p:cNvSpPr>
+            <a:spLocks noGrp="1"/>
+          </p:cNvSpPr>
+          <p:nvPr>
+            <p:ph idx="1"/>
+          </p:nvPr>
+        </p:nvSpPr>
+        <p:spPr/>
+        <p:txBody>
+          <a:bodyPr/>
+          <a:lstStyle/>
+          <a:p>
+            <a:endParaRPr lang="en-IE"/>
+          </a:p>
+        </p:txBody>
+      </p:sp>
+      <p:pic>
+        <p:nvPicPr>
+          <p:cNvPr id="5" name="Picture 4">
+            <a:extLst>
+              <a:ext uri="{FF2B5EF4-FFF2-40B4-BE49-F238E27FC236}">
+                <a16:creationId xmlns:a16="http://schemas.microsoft.com/office/drawing/2014/main" id="{CCB2FF62-38CF-70CE-FE68-648D5D2A1656}"/>
+              </a:ext>
+            </a:extLst>
+          </p:cNvPr>
+          <p:cNvPicPr>
+            <a:picLocks noChangeAspect="1"/>
+          </p:cNvPicPr>
+          <p:nvPr/>
+        </p:nvPicPr>
+        <p:blipFill>
+          <a:blip r:embed="rId2"/>
+          <a:stretch>
+            <a:fillRect/>
+          </a:stretch>
+        </p:blipFill>
+        <p:spPr>
+          <a:xfrm>
+            <a:off x="539891" y="301722"/>
+            <a:ext cx="10677608" cy="6232631"/>
+          </a:xfrm>
+          <a:prstGeom prst="rect">
+            <a:avLst/>
+          </a:prstGeom>
+        </p:spPr>
+      </p:pic>
+    </p:spTree>
+    <p:extLst>
+      <p:ext uri="{BB962C8B-B14F-4D97-AF65-F5344CB8AC3E}">
+        <p14:creationId xmlns:p14="http://schemas.microsoft.com/office/powerpoint/2010/main" val="2303100752"/>
       </p:ext>
     </p:extLst>
   </p:cSld>

--- a/topic-000-Assessments/talk-1/spec_1.pptx
+++ b/topic-000-Assessments/talk-1/spec_1.pptx
@@ -7390,7 +7390,7 @@
           <a:p>
             <a:fld id="{579B9E99-C503-46FF-BA39-A9A967032C6C}" type="datetimeFigureOut">
               <a:rPr lang="en-US"/>
-              <a:t>3/13/2025</a:t>
+              <a:t>3/14/2025</a:t>
             </a:fld>
             <a:endParaRPr lang="en-US"/>
           </a:p>
@@ -8206,7 +8206,7 @@
           <a:p>
             <a:fld id="{846CE7D5-CF57-46EF-B807-FDD0502418D4}" type="datetimeFigureOut">
               <a:rPr lang="en-US" smtClean="0"/>
-              <a:t>3/13/2025</a:t>
+              <a:t>3/14/2025</a:t>
             </a:fld>
             <a:endParaRPr lang="en-US"/>
           </a:p>
@@ -8374,7 +8374,7 @@
           <a:p>
             <a:fld id="{846CE7D5-CF57-46EF-B807-FDD0502418D4}" type="datetimeFigureOut">
               <a:rPr lang="en-US" smtClean="0"/>
-              <a:t>3/13/2025</a:t>
+              <a:t>3/14/2025</a:t>
             </a:fld>
             <a:endParaRPr lang="en-US"/>
           </a:p>
@@ -8552,7 +8552,7 @@
           <a:p>
             <a:fld id="{846CE7D5-CF57-46EF-B807-FDD0502418D4}" type="datetimeFigureOut">
               <a:rPr lang="en-US" smtClean="0"/>
-              <a:t>3/13/2025</a:t>
+              <a:t>3/14/2025</a:t>
             </a:fld>
             <a:endParaRPr lang="en-US"/>
           </a:p>
@@ -8720,7 +8720,7 @@
           <a:p>
             <a:fld id="{846CE7D5-CF57-46EF-B807-FDD0502418D4}" type="datetimeFigureOut">
               <a:rPr lang="en-US" smtClean="0"/>
-              <a:t>3/13/2025</a:t>
+              <a:t>3/14/2025</a:t>
             </a:fld>
             <a:endParaRPr lang="en-US"/>
           </a:p>
@@ -8965,7 +8965,7 @@
           <a:p>
             <a:fld id="{846CE7D5-CF57-46EF-B807-FDD0502418D4}" type="datetimeFigureOut">
               <a:rPr lang="en-US" smtClean="0"/>
-              <a:t>3/13/2025</a:t>
+              <a:t>3/14/2025</a:t>
             </a:fld>
             <a:endParaRPr lang="en-US"/>
           </a:p>
@@ -9194,7 +9194,7 @@
           <a:p>
             <a:fld id="{846CE7D5-CF57-46EF-B807-FDD0502418D4}" type="datetimeFigureOut">
               <a:rPr lang="en-US" smtClean="0"/>
-              <a:t>3/13/2025</a:t>
+              <a:t>3/14/2025</a:t>
             </a:fld>
             <a:endParaRPr lang="en-US"/>
           </a:p>
@@ -9558,7 +9558,7 @@
           <a:p>
             <a:fld id="{846CE7D5-CF57-46EF-B807-FDD0502418D4}" type="datetimeFigureOut">
               <a:rPr lang="en-US" smtClean="0"/>
-              <a:t>3/13/2025</a:t>
+              <a:t>3/14/2025</a:t>
             </a:fld>
             <a:endParaRPr lang="en-US"/>
           </a:p>
@@ -9675,7 +9675,7 @@
           <a:p>
             <a:fld id="{846CE7D5-CF57-46EF-B807-FDD0502418D4}" type="datetimeFigureOut">
               <a:rPr lang="en-US" smtClean="0"/>
-              <a:t>3/13/2025</a:t>
+              <a:t>3/14/2025</a:t>
             </a:fld>
             <a:endParaRPr lang="en-US"/>
           </a:p>
@@ -9770,7 +9770,7 @@
           <a:p>
             <a:fld id="{846CE7D5-CF57-46EF-B807-FDD0502418D4}" type="datetimeFigureOut">
               <a:rPr lang="en-US" smtClean="0"/>
-              <a:t>3/13/2025</a:t>
+              <a:t>3/14/2025</a:t>
             </a:fld>
             <a:endParaRPr lang="en-US"/>
           </a:p>
@@ -10045,7 +10045,7 @@
           <a:p>
             <a:fld id="{846CE7D5-CF57-46EF-B807-FDD0502418D4}" type="datetimeFigureOut">
               <a:rPr lang="en-US" smtClean="0"/>
-              <a:t>3/13/2025</a:t>
+              <a:t>3/14/2025</a:t>
             </a:fld>
             <a:endParaRPr lang="en-US"/>
           </a:p>
@@ -10300,7 +10300,7 @@
           <a:p>
             <a:fld id="{846CE7D5-CF57-46EF-B807-FDD0502418D4}" type="datetimeFigureOut">
               <a:rPr lang="en-US" smtClean="0"/>
-              <a:t>3/13/2025</a:t>
+              <a:t>3/14/2025</a:t>
             </a:fld>
             <a:endParaRPr lang="en-US"/>
           </a:p>
@@ -10511,7 +10511,7 @@
           <a:p>
             <a:fld id="{846CE7D5-CF57-46EF-B807-FDD0502418D4}" type="datetimeFigureOut">
               <a:rPr lang="en-US" smtClean="0"/>
-              <a:t>3/13/2025</a:t>
+              <a:t>3/14/2025</a:t>
             </a:fld>
             <a:endParaRPr lang="en-US"/>
           </a:p>
@@ -11671,10 +11671,10 @@
       </p:sp>
       <p:pic>
         <p:nvPicPr>
-          <p:cNvPr id="14" name="Picture 13">
+          <p:cNvPr id="4" name="Picture 3">
             <a:extLst>
               <a:ext uri="{FF2B5EF4-FFF2-40B4-BE49-F238E27FC236}">
-                <a16:creationId xmlns:a16="http://schemas.microsoft.com/office/drawing/2014/main" id="{52DD00F2-7316-F1AD-A268-09655BDCBE51}"/>
+                <a16:creationId xmlns:a16="http://schemas.microsoft.com/office/drawing/2014/main" id="{53E1C07B-FA16-02E6-27D6-DFD12F57F7AF}"/>
               </a:ext>
             </a:extLst>
           </p:cNvPr>
@@ -11691,8 +11691,8 @@
         </p:blipFill>
         <p:spPr>
           <a:xfrm>
-            <a:off x="694194" y="230535"/>
-            <a:ext cx="9338448" cy="6527384"/>
+            <a:off x="635883" y="136875"/>
+            <a:ext cx="9261531" cy="6621044"/>
           </a:xfrm>
           <a:prstGeom prst="rect">
             <a:avLst/>
